--- a/Milestone -4.pptx
+++ b/Milestone -4.pptx
@@ -525,7 +525,7 @@
           <a:p>
             <a:fld id="{4DE55AF4-1CAC-4E4C-89D1-2E38C3FF254F}" type="datetimeFigureOut">
               <a:rPr lang="en-US" smtClean="0"/>
-              <a:t>2/12/2021</a:t>
+              <a:t>2/13/2021</a:t>
             </a:fld>
             <a:endParaRPr lang="en-US"/>
           </a:p>
@@ -704,7 +704,7 @@
           <a:p>
             <a:fld id="{4DE55AF4-1CAC-4E4C-89D1-2E38C3FF254F}" type="datetimeFigureOut">
               <a:rPr lang="en-US" smtClean="0"/>
-              <a:t>2/12/2021</a:t>
+              <a:t>2/13/2021</a:t>
             </a:fld>
             <a:endParaRPr lang="en-US"/>
           </a:p>
@@ -884,7 +884,7 @@
           <a:p>
             <a:fld id="{4DE55AF4-1CAC-4E4C-89D1-2E38C3FF254F}" type="datetimeFigureOut">
               <a:rPr lang="en-US" smtClean="0"/>
-              <a:t>2/12/2021</a:t>
+              <a:t>2/13/2021</a:t>
             </a:fld>
             <a:endParaRPr lang="en-US"/>
           </a:p>
@@ -1054,7 +1054,7 @@
           <a:p>
             <a:fld id="{4DE55AF4-1CAC-4E4C-89D1-2E38C3FF254F}" type="datetimeFigureOut">
               <a:rPr lang="en-US" smtClean="0"/>
-              <a:t>2/12/2021</a:t>
+              <a:t>2/13/2021</a:t>
             </a:fld>
             <a:endParaRPr lang="en-US"/>
           </a:p>
@@ -1367,7 +1367,7 @@
           <a:p>
             <a:fld id="{4DE55AF4-1CAC-4E4C-89D1-2E38C3FF254F}" type="datetimeFigureOut">
               <a:rPr lang="en-US" smtClean="0"/>
-              <a:t>2/12/2021</a:t>
+              <a:t>2/13/2021</a:t>
             </a:fld>
             <a:endParaRPr lang="en-US"/>
           </a:p>
@@ -1753,7 +1753,7 @@
           <a:p>
             <a:fld id="{4DE55AF4-1CAC-4E4C-89D1-2E38C3FF254F}" type="datetimeFigureOut">
               <a:rPr lang="en-US" smtClean="0"/>
-              <a:t>2/12/2021</a:t>
+              <a:t>2/13/2021</a:t>
             </a:fld>
             <a:endParaRPr lang="en-US"/>
           </a:p>
@@ -2187,7 +2187,7 @@
           <a:p>
             <a:fld id="{4DE55AF4-1CAC-4E4C-89D1-2E38C3FF254F}" type="datetimeFigureOut">
               <a:rPr lang="en-US" smtClean="0"/>
-              <a:t>2/12/2021</a:t>
+              <a:t>2/13/2021</a:t>
             </a:fld>
             <a:endParaRPr lang="en-US"/>
           </a:p>
@@ -2305,7 +2305,7 @@
           <a:p>
             <a:fld id="{4DE55AF4-1CAC-4E4C-89D1-2E38C3FF254F}" type="datetimeFigureOut">
               <a:rPr lang="en-US" smtClean="0"/>
-              <a:t>2/12/2021</a:t>
+              <a:t>2/13/2021</a:t>
             </a:fld>
             <a:endParaRPr lang="en-US"/>
           </a:p>
@@ -2400,7 +2400,7 @@
           <a:p>
             <a:fld id="{4DE55AF4-1CAC-4E4C-89D1-2E38C3FF254F}" type="datetimeFigureOut">
               <a:rPr lang="en-US" smtClean="0"/>
-              <a:t>2/12/2021</a:t>
+              <a:t>2/13/2021</a:t>
             </a:fld>
             <a:endParaRPr lang="en-US"/>
           </a:p>
@@ -2750,7 +2750,7 @@
           <a:p>
             <a:fld id="{4DE55AF4-1CAC-4E4C-89D1-2E38C3FF254F}" type="datetimeFigureOut">
               <a:rPr lang="en-US" smtClean="0"/>
-              <a:t>2/12/2021</a:t>
+              <a:t>2/13/2021</a:t>
             </a:fld>
             <a:endParaRPr lang="en-US"/>
           </a:p>
@@ -3175,7 +3175,7 @@
           <a:p>
             <a:fld id="{4DE55AF4-1CAC-4E4C-89D1-2E38C3FF254F}" type="datetimeFigureOut">
               <a:rPr lang="en-US" smtClean="0"/>
-              <a:t>2/12/2021</a:t>
+              <a:t>2/13/2021</a:t>
             </a:fld>
             <a:endParaRPr lang="en-US"/>
           </a:p>
@@ -3456,7 +3456,7 @@
           <a:p>
             <a:fld id="{4DE55AF4-1CAC-4E4C-89D1-2E38C3FF254F}" type="datetimeFigureOut">
               <a:rPr lang="en-US" smtClean="0"/>
-              <a:t>2/12/2021</a:t>
+              <a:t>2/13/2021</a:t>
             </a:fld>
             <a:endParaRPr lang="en-US"/>
           </a:p>
@@ -4845,12 +4845,28 @@
               <a:buSzPct val="85000"/>
             </a:pPr>
             <a:r>
-              <a:rPr lang="en-US">
+              <a:rPr lang="en-US" dirty="0">
                 <a:solidFill>
                   <a:schemeClr val="tx1"/>
                 </a:solidFill>
               </a:rPr>
-              <a:t>Sanjay Jaras, Satish Agrawal</a:t>
+              <a:t>Sanjay </a:t>
+            </a:r>
+            <a:r>
+              <a:rPr lang="en-US" dirty="0" err="1">
+                <a:solidFill>
+                  <a:schemeClr val="tx1"/>
+                </a:solidFill>
+              </a:rPr>
+              <a:t>Jaras</a:t>
+            </a:r>
+            <a:r>
+              <a:rPr lang="en-US" dirty="0">
+                <a:solidFill>
+                  <a:schemeClr val="tx1"/>
+                </a:solidFill>
+              </a:rPr>
+              <a:t>, Satish Agrawal</a:t>
             </a:r>
           </a:p>
           <a:p>
@@ -4869,12 +4885,12 @@
               <a:buSzPct val="85000"/>
             </a:pPr>
             <a:r>
-              <a:rPr lang="en-US">
+              <a:rPr lang="en-US" dirty="0">
                 <a:solidFill>
                   <a:schemeClr val="tx1"/>
                 </a:solidFill>
               </a:rPr>
-              <a:t>Bellevue University </a:t>
+              <a:t>DSC-630</a:t>
             </a:r>
           </a:p>
           <a:p>
@@ -4893,18 +4909,13 @@
               <a:buSzPct val="85000"/>
             </a:pPr>
             <a:r>
-              <a:rPr lang="en-US">
+              <a:rPr lang="en-US" dirty="0">
                 <a:solidFill>
                   <a:schemeClr val="tx1"/>
                 </a:solidFill>
               </a:rPr>
-              <a:t>DSC-630</a:t>
-            </a:r>
-            <a:endParaRPr lang="en-US" dirty="0">
-              <a:solidFill>
-                <a:schemeClr val="tx1"/>
-              </a:solidFill>
-            </a:endParaRPr>
+              <a:t>Bellevue University </a:t>
+            </a:r>
           </a:p>
         </p:txBody>
       </p:sp>
@@ -5376,8 +5387,8 @@
         </p:nvSpPr>
         <p:spPr>
           <a:xfrm>
-            <a:off x="1069848" y="484632"/>
-            <a:ext cx="10058400" cy="1609344"/>
+            <a:off x="1477436" y="544802"/>
+            <a:ext cx="9237127" cy="1609344"/>
           </a:xfrm>
           <a:prstGeom prst="rect">
             <a:avLst/>
@@ -5466,7 +5477,7 @@
         </p:style>
         <p:txBody>
           <a:bodyPr vert="horz" lIns="91440" tIns="45720" rIns="91440" bIns="45720" rtlCol="0">
-            <a:normAutofit fontScale="92500"/>
+            <a:normAutofit fontScale="92500" lnSpcReduction="10000"/>
           </a:bodyPr>
           <a:lstStyle/>
           <a:p>
@@ -5515,7 +5526,23 @@
                   <a:schemeClr val="tx1"/>
                 </a:solidFill>
               </a:rPr>
-              <a:t>Though dataset has around 485k observations, one hot encoding was increasing the number of attributes in the set and was crashing the program.</a:t>
+              <a:t>Though dataset has around 485k observations only, but we have many categorical features with long list of supported values, one hot encoding has increased the number of attributes in the set and was crashing the program while </a:t>
+            </a:r>
+            <a:r>
+              <a:rPr lang="en-US" dirty="0" err="1">
+                <a:solidFill>
+                  <a:schemeClr val="tx1"/>
+                </a:solidFill>
+              </a:rPr>
+              <a:t>traning</a:t>
+            </a:r>
+            <a:r>
+              <a:rPr lang="en-US" dirty="0">
+                <a:solidFill>
+                  <a:schemeClr val="tx1"/>
+                </a:solidFill>
+              </a:rPr>
+              <a:t>.</a:t>
             </a:r>
           </a:p>
           <a:p>
@@ -5567,7 +5594,7 @@
                   <a:schemeClr val="tx1"/>
                 </a:solidFill>
               </a:rPr>
-              <a:t>As we split the dataset before in hand, we saw missing categories in the training dataset which were present in test dataset.</a:t>
+              <a:t>As we split the dataset before in hand, we saw missing categories in the training dataset which were present in the test dataset.</a:t>
             </a:r>
           </a:p>
           <a:p>
@@ -6492,7 +6519,7 @@
                   <a:schemeClr val="tx1"/>
                 </a:solidFill>
               </a:rPr>
-              <a:t>Graph above shows predictions are accurate or close to the actual price for the car.</a:t>
+              <a:t>Graph above shows predictions are accurate or close to the actual price for the vehicles.</a:t>
             </a:r>
           </a:p>
           <a:p>
@@ -6518,7 +6545,23 @@
                   <a:schemeClr val="tx1"/>
                 </a:solidFill>
               </a:rPr>
-              <a:t>We are planning to work towards using PCA for selecting best correlated attributes to achieve better performance.</a:t>
+              <a:t>We are planning to work towards using PCA/</a:t>
+            </a:r>
+            <a:r>
+              <a:rPr lang="en-US" sz="1600" dirty="0" err="1">
+                <a:solidFill>
+                  <a:schemeClr val="tx1"/>
+                </a:solidFill>
+              </a:rPr>
+              <a:t>SelectKBest</a:t>
+            </a:r>
+            <a:r>
+              <a:rPr lang="en-US" sz="1600" dirty="0">
+                <a:solidFill>
+                  <a:schemeClr val="tx1"/>
+                </a:solidFill>
+              </a:rPr>
+              <a:t> for selecting best correlated attributes to achieve better performance.</a:t>
             </a:r>
           </a:p>
           <a:p>
@@ -7618,7 +7661,7 @@
                   <a:schemeClr val="tx1"/>
                 </a:solidFill>
               </a:rPr>
-              <a:t>There are variety of factors that impact the price of a user vehicle.</a:t>
+              <a:t>There are variety of factors that impact the price of a used vehicle.</a:t>
             </a:r>
           </a:p>
           <a:p>
@@ -7644,7 +7687,7 @@
                   <a:schemeClr val="tx1"/>
                 </a:solidFill>
               </a:rPr>
-              <a:t>This project uses a dataset with various features about the vehicles listed and sold in the past and attempts to predict a price for new listing.</a:t>
+              <a:t>This project uses a dataset with various features about the vehicles listed and sold in the past and attempts to predict a price for new listings.</a:t>
             </a:r>
           </a:p>
           <a:p>
@@ -7670,7 +7713,7 @@
                   <a:schemeClr val="tx1"/>
                 </a:solidFill>
               </a:rPr>
-              <a:t>This will be useful in coming up with a fair price of the used vehicle keeping the margin and market in mind. </a:t>
+              <a:t>This will be useful in coming up with a fair price of the used vehicles, keeping the margin and market conditions in mind. </a:t>
             </a:r>
           </a:p>
           <a:p>
@@ -8068,7 +8111,7 @@
               </a:spcAft>
             </a:pPr>
             <a:r>
-              <a:rPr lang="en-US" sz="3200" cap="all" dirty="0">
+              <a:rPr lang="en-US" sz="3200" cap="all">
                 <a:blipFill>
                   <a:blip r:embed="rId6">
                     <a:extLst>
@@ -8085,6 +8128,21 @@
               </a:rPr>
               <a:t>MAJOR STEPS</a:t>
             </a:r>
+            <a:endParaRPr lang="en-US" sz="3200" cap="all" dirty="0">
+              <a:blipFill>
+                <a:blip r:embed="rId6">
+                  <a:extLst>
+                    <a:ext uri="{28A0092B-C50C-407E-A947-70E740481C1C}">
+                      <a14:useLocalDpi xmlns:a14="http://schemas.microsoft.com/office/drawing/2010/main" val="0"/>
+                    </a:ext>
+                  </a:extLst>
+                </a:blip>
+                <a:tile tx="6350" ty="-127000" sx="65000" sy="64000" flip="none" algn="tl"/>
+              </a:blipFill>
+              <a:latin typeface="+mj-lt"/>
+              <a:ea typeface="+mj-ea"/>
+              <a:cs typeface="+mj-cs"/>
+            </a:endParaRPr>
           </a:p>
         </p:txBody>
       </p:sp>
@@ -8390,7 +8448,7 @@
               <a:buFont typeface="Wingdings" pitchFamily="2" charset="2"/>
               <a:buChar char="§"/>
             </a:pPr>
-            <a:endParaRPr lang="en-US" dirty="0">
+            <a:endParaRPr lang="en-US">
               <a:solidFill>
                 <a:schemeClr val="tx1"/>
               </a:solidFill>
@@ -8414,7 +8472,7 @@
               <a:buChar char="§"/>
             </a:pPr>
             <a:r>
-              <a:rPr lang="en-US" dirty="0">
+              <a:rPr lang="en-US">
                 <a:solidFill>
                   <a:schemeClr val="tx1"/>
                 </a:solidFill>
@@ -8440,7 +8498,7 @@
               <a:buChar char="§"/>
             </a:pPr>
             <a:r>
-              <a:rPr lang="en-US" dirty="0">
+              <a:rPr lang="en-US">
                 <a:solidFill>
                   <a:schemeClr val="tx1"/>
                 </a:solidFill>
@@ -8466,7 +8524,7 @@
               <a:buChar char="§"/>
             </a:pPr>
             <a:r>
-              <a:rPr lang="en-US" dirty="0">
+              <a:rPr lang="en-US">
                 <a:solidFill>
                   <a:schemeClr val="tx1"/>
                 </a:solidFill>
@@ -8492,7 +8550,7 @@
               <a:buChar char="§"/>
             </a:pPr>
             <a:r>
-              <a:rPr lang="en-US" dirty="0">
+              <a:rPr lang="en-US">
                 <a:solidFill>
                   <a:schemeClr val="tx1"/>
                 </a:solidFill>
@@ -8518,12 +8576,12 @@
               <a:buChar char="§"/>
             </a:pPr>
             <a:r>
-              <a:rPr lang="en-US" dirty="0">
+              <a:rPr lang="en-US">
                 <a:solidFill>
                   <a:schemeClr val="tx1"/>
                 </a:solidFill>
               </a:rPr>
-              <a:t>Feature selection and engineering</a:t>
+              <a:t>Feature selection and feature engineering</a:t>
             </a:r>
           </a:p>
           <a:p>
@@ -8544,7 +8602,7 @@
               <a:buChar char="§"/>
             </a:pPr>
             <a:r>
-              <a:rPr lang="en-US" dirty="0">
+              <a:rPr lang="en-US">
                 <a:solidFill>
                   <a:schemeClr val="tx1"/>
                 </a:solidFill>
@@ -8570,7 +8628,7 @@
               <a:buChar char="§"/>
             </a:pPr>
             <a:r>
-              <a:rPr lang="en-US" dirty="0">
+              <a:rPr lang="en-US">
                 <a:solidFill>
                   <a:schemeClr val="tx1"/>
                 </a:solidFill>
@@ -8596,7 +8654,7 @@
               <a:buChar char="§"/>
             </a:pPr>
             <a:r>
-              <a:rPr lang="en-US" dirty="0">
+              <a:rPr lang="en-US">
                 <a:solidFill>
                   <a:schemeClr val="tx1"/>
                 </a:solidFill>
@@ -8622,13 +8680,18 @@
               <a:buChar char="§"/>
             </a:pPr>
             <a:r>
-              <a:rPr lang="en-US" dirty="0">
+              <a:rPr lang="en-US">
                 <a:solidFill>
                   <a:schemeClr val="tx1"/>
                 </a:solidFill>
               </a:rPr>
               <a:t>Discuss the best model and Model deployment</a:t>
             </a:r>
+            <a:endParaRPr lang="en-US" dirty="0">
+              <a:solidFill>
+                <a:schemeClr val="tx1"/>
+              </a:solidFill>
+            </a:endParaRPr>
           </a:p>
         </p:txBody>
       </p:sp>
@@ -9483,7 +9546,7 @@
                   <a:schemeClr val="tx1"/>
                 </a:solidFill>
               </a:rPr>
-              <a:t>The dataset used in this analysis is from Craigslist and has more than 458K observations of used vehicles listings;.</a:t>
+              <a:t>The dataset used in this analysis is from Craigslist and has more than 458K observations of used vehicles listings.</a:t>
             </a:r>
           </a:p>
           <a:p>
@@ -9509,7 +9572,7 @@
                   <a:schemeClr val="tx1"/>
                 </a:solidFill>
               </a:rPr>
-              <a:t>There are 25 attributes in the data set for each listing</a:t>
+              <a:t>There are 25 attributes in the data set for each listing.</a:t>
             </a:r>
           </a:p>
           <a:p>
@@ -9535,7 +9598,7 @@
                   <a:schemeClr val="tx1"/>
                 </a:solidFill>
               </a:rPr>
-              <a:t>The price for the vehicle is in the dataset and is our target variable that we are trying to predict using machine learning models</a:t>
+              <a:t>The price for the vehicle is in the dataset and is our target variable that we are trying to predict using machine learning models.</a:t>
             </a:r>
           </a:p>
           <a:p>
@@ -9561,7 +9624,33 @@
                   <a:schemeClr val="tx1"/>
                 </a:solidFill>
               </a:rPr>
-              <a:t>Key attributes are odometer, make and model, yea, fuel type and transmission</a:t>
+              <a:t>Key attributes are odometer, make and model, year, fuel type and transmission.</a:t>
+            </a:r>
+          </a:p>
+          <a:p>
+            <a:pPr marL="285750" indent="-182880" defTabSz="914400">
+              <a:lnSpc>
+                <a:spcPct val="90000"/>
+              </a:lnSpc>
+              <a:spcAft>
+                <a:spcPts val="600"/>
+              </a:spcAft>
+              <a:buClr>
+                <a:schemeClr val="accent1">
+                  <a:lumMod val="75000"/>
+                </a:schemeClr>
+              </a:buClr>
+              <a:buSzPct val="85000"/>
+              <a:buFont typeface="Wingdings" pitchFamily="2" charset="2"/>
+              <a:buChar char="§"/>
+            </a:pPr>
+            <a:r>
+              <a:rPr lang="en-US" sz="1400" dirty="0">
+                <a:solidFill>
+                  <a:schemeClr val="tx1"/>
+                </a:solidFill>
+              </a:rPr>
+              <a:t>We kept 20% of the data aside for testing the model trained on 80% of the dataset.</a:t>
             </a:r>
           </a:p>
         </p:txBody>
@@ -10503,7 +10592,7 @@
                   <a:schemeClr val="tx1"/>
                 </a:solidFill>
               </a:rPr>
-              <a:t>The two figures here show the distribution of the odometer reading and the vehicles make year.</a:t>
+              <a:t>The two figures here shows the correlation of condition and make with the target variable, the price of the vehicle.</a:t>
             </a:r>
           </a:p>
           <a:p>
@@ -10529,7 +10618,33 @@
                   <a:schemeClr val="tx1"/>
                 </a:solidFill>
               </a:rPr>
-              <a:t>This information helps understand that the data is uniformly distributed and is representative of the real-world scenario</a:t>
+              <a:t>We generated correlation matrix between all the numeric attributes to see the impact of individual variables into the target variable. </a:t>
+            </a:r>
+          </a:p>
+          <a:p>
+            <a:pPr marL="285750" indent="-182880" defTabSz="914400">
+              <a:lnSpc>
+                <a:spcPct val="90000"/>
+              </a:lnSpc>
+              <a:spcAft>
+                <a:spcPts val="600"/>
+              </a:spcAft>
+              <a:buClr>
+                <a:schemeClr val="accent1">
+                  <a:lumMod val="75000"/>
+                </a:schemeClr>
+              </a:buClr>
+              <a:buSzPct val="85000"/>
+              <a:buFont typeface="Wingdings" pitchFamily="2" charset="2"/>
+              <a:buChar char="§"/>
+            </a:pPr>
+            <a:r>
+              <a:rPr lang="en-US" sz="1400" dirty="0">
+                <a:solidFill>
+                  <a:schemeClr val="tx1"/>
+                </a:solidFill>
+              </a:rPr>
+              <a:t>We analyzed values for categorical variables for anomalies and inconsistencies.</a:t>
             </a:r>
           </a:p>
         </p:txBody>
@@ -11181,7 +11296,7 @@
         </p:style>
         <p:txBody>
           <a:bodyPr vert="horz" lIns="91440" tIns="45720" rIns="91440" bIns="45720" rtlCol="0" anchor="ctr">
-            <a:normAutofit/>
+            <a:normAutofit lnSpcReduction="10000"/>
           </a:bodyPr>
           <a:lstStyle/>
           <a:p>
@@ -11207,7 +11322,7 @@
                   <a:schemeClr val="tx1"/>
                 </a:solidFill>
               </a:rPr>
-              <a:t>We removed the outliers from price and odometer</a:t>
+              <a:t>We removed the outliers from price, year and odometer.</a:t>
             </a:r>
           </a:p>
           <a:p>
@@ -11233,7 +11348,7 @@
                   <a:schemeClr val="tx1"/>
                 </a:solidFill>
               </a:rPr>
-              <a:t>Above graphs show the distribution before and after outlier removal</a:t>
+              <a:t>Above graphs show the distribution before and after outlier removal for price.</a:t>
             </a:r>
           </a:p>
           <a:p>
@@ -11259,7 +11374,23 @@
                   <a:schemeClr val="tx1"/>
                 </a:solidFill>
               </a:rPr>
-              <a:t>We imputed missing values with the most frequent value</a:t>
+              <a:t>We identified and imputed missing values using iterative imputer with </a:t>
+            </a:r>
+            <a:r>
+              <a:rPr lang="en-US" sz="1500" dirty="0" err="1">
+                <a:solidFill>
+                  <a:schemeClr val="tx1"/>
+                </a:solidFill>
+              </a:rPr>
+              <a:t>ExtraTreesRegressor</a:t>
+            </a:r>
+            <a:r>
+              <a:rPr lang="en-US" sz="1500" dirty="0">
+                <a:solidFill>
+                  <a:schemeClr val="tx1"/>
+                </a:solidFill>
+              </a:rPr>
+              <a:t>.</a:t>
             </a:r>
           </a:p>
           <a:p>
@@ -11285,7 +11416,7 @@
                   <a:schemeClr val="tx1"/>
                 </a:solidFill>
               </a:rPr>
-              <a:t>We also removed the feature “size” because it has more than 50% missing values and may not be as helpful in price prediction</a:t>
+              <a:t>We also removed the feature “size” because it has more than 50% missing values and may not be as helpful in price prediction.</a:t>
             </a:r>
           </a:p>
           <a:p>
@@ -12080,8 +12211,8 @@
         </p:nvSpPr>
         <p:spPr>
           <a:xfrm>
-            <a:off x="1069848" y="2450237"/>
-            <a:ext cx="10058400" cy="3721962"/>
+            <a:off x="1069848" y="2308194"/>
+            <a:ext cx="10058400" cy="4243525"/>
           </a:xfrm>
           <a:prstGeom prst="roundRect">
             <a:avLst/>
@@ -12117,7 +12248,7 @@
           <a:p>
             <a:pPr marL="285750" indent="-182880" defTabSz="914400">
               <a:lnSpc>
-                <a:spcPct val="90000"/>
+                <a:spcPct val="110000"/>
               </a:lnSpc>
               <a:spcAft>
                 <a:spcPts val="600"/>
@@ -12132,50 +12263,18 @@
               <a:buChar char="§"/>
             </a:pPr>
             <a:r>
-              <a:rPr lang="en-US" dirty="0">
+              <a:rPr lang="en-US" sz="1400" dirty="0">
                 <a:solidFill>
                   <a:schemeClr val="tx1"/>
                 </a:solidFill>
               </a:rPr>
-              <a:t>We removed URL, ID, </a:t>
-            </a:r>
-            <a:r>
-              <a:rPr lang="en-US" dirty="0" err="1">
-                <a:solidFill>
-                  <a:schemeClr val="tx1"/>
-                </a:solidFill>
-              </a:rPr>
-              <a:t>Image_URL</a:t>
-            </a:r>
-            <a:r>
-              <a:rPr lang="en-US" dirty="0">
-                <a:solidFill>
-                  <a:schemeClr val="tx1"/>
-                </a:solidFill>
-              </a:rPr>
-              <a:t>, Description, </a:t>
-            </a:r>
-            <a:r>
-              <a:rPr lang="en-US" dirty="0" err="1">
-                <a:solidFill>
-                  <a:schemeClr val="tx1"/>
-                </a:solidFill>
-              </a:rPr>
-              <a:t>Region_URL</a:t>
-            </a:r>
-            <a:r>
-              <a:rPr lang="en-US" dirty="0">
-                <a:solidFill>
-                  <a:schemeClr val="tx1"/>
-                </a:solidFill>
-              </a:rPr>
-              <a:t> and VIN from the dataset. </a:t>
-            </a:r>
-          </a:p>
-          <a:p>
-            <a:pPr marL="285750" indent="-182880" defTabSz="914400">
+              <a:t>We removed following attributes from the dataset, considering they do not have any correlation with the target variable or highly correlated with other features and are duplicates :</a:t>
+            </a:r>
+          </a:p>
+          <a:p>
+            <a:pPr marL="742950" lvl="1" defTabSz="914400">
               <a:lnSpc>
-                <a:spcPct val="150000"/>
+                <a:spcPct val="110000"/>
               </a:lnSpc>
               <a:spcAft>
                 <a:spcPts val="600"/>
@@ -12190,18 +12289,18 @@
               <a:buChar char="§"/>
             </a:pPr>
             <a:r>
-              <a:rPr lang="en-US" dirty="0">
+              <a:rPr lang="en-US" sz="1400" dirty="0">
                 <a:solidFill>
                   <a:schemeClr val="tx1"/>
                 </a:solidFill>
               </a:rPr>
-              <a:t>These features do not have any correlation with the price of the car and may not contribute in making price prediction</a:t>
-            </a:r>
-          </a:p>
-          <a:p>
-            <a:pPr marL="285750" indent="-182880" defTabSz="914400">
+              <a:t>URL</a:t>
+            </a:r>
+          </a:p>
+          <a:p>
+            <a:pPr marL="742950" lvl="1" defTabSz="914400">
               <a:lnSpc>
-                <a:spcPct val="90000"/>
+                <a:spcPct val="110000"/>
               </a:lnSpc>
               <a:spcAft>
                 <a:spcPts val="600"/>
@@ -12216,18 +12315,18 @@
               <a:buChar char="§"/>
             </a:pPr>
             <a:r>
-              <a:rPr lang="en-US" dirty="0">
+              <a:rPr lang="en-US" sz="1400" dirty="0">
                 <a:solidFill>
                   <a:schemeClr val="tx1"/>
                 </a:solidFill>
               </a:rPr>
-              <a:t>We used model year and listing date to derive the age of the car at the time of listing. Age has an important role to play in price prediction.</a:t>
-            </a:r>
-          </a:p>
-          <a:p>
-            <a:pPr marL="285750" indent="-182880" defTabSz="914400">
+              <a:t>ID</a:t>
+            </a:r>
+          </a:p>
+          <a:p>
+            <a:pPr marL="742950" lvl="1" defTabSz="914400">
               <a:lnSpc>
-                <a:spcPct val="90000"/>
+                <a:spcPct val="110000"/>
               </a:lnSpc>
               <a:spcAft>
                 <a:spcPts val="600"/>
@@ -12241,7 +12340,173 @@
               <a:buFont typeface="Wingdings" pitchFamily="2" charset="2"/>
               <a:buChar char="§"/>
             </a:pPr>
-            <a:endParaRPr lang="en-US" dirty="0">
+            <a:r>
+              <a:rPr lang="en-US" sz="1400" dirty="0" err="1">
+                <a:solidFill>
+                  <a:schemeClr val="tx1"/>
+                </a:solidFill>
+              </a:rPr>
+              <a:t>Image_URL</a:t>
+            </a:r>
+            <a:endParaRPr lang="en-US" sz="1400" dirty="0">
+              <a:solidFill>
+                <a:schemeClr val="tx1"/>
+              </a:solidFill>
+            </a:endParaRPr>
+          </a:p>
+          <a:p>
+            <a:pPr marL="742950" lvl="1" defTabSz="914400">
+              <a:lnSpc>
+                <a:spcPct val="110000"/>
+              </a:lnSpc>
+              <a:spcAft>
+                <a:spcPts val="600"/>
+              </a:spcAft>
+              <a:buClr>
+                <a:schemeClr val="accent1">
+                  <a:lumMod val="75000"/>
+                </a:schemeClr>
+              </a:buClr>
+              <a:buSzPct val="85000"/>
+              <a:buFont typeface="Wingdings" pitchFamily="2" charset="2"/>
+              <a:buChar char="§"/>
+            </a:pPr>
+            <a:r>
+              <a:rPr lang="en-US" sz="1400" dirty="0">
+                <a:solidFill>
+                  <a:schemeClr val="tx1"/>
+                </a:solidFill>
+              </a:rPr>
+              <a:t>Description</a:t>
+            </a:r>
+          </a:p>
+          <a:p>
+            <a:pPr marL="742950" lvl="1" defTabSz="914400">
+              <a:lnSpc>
+                <a:spcPct val="110000"/>
+              </a:lnSpc>
+              <a:spcAft>
+                <a:spcPts val="600"/>
+              </a:spcAft>
+              <a:buClr>
+                <a:schemeClr val="accent1">
+                  <a:lumMod val="75000"/>
+                </a:schemeClr>
+              </a:buClr>
+              <a:buSzPct val="85000"/>
+              <a:buFont typeface="Wingdings" pitchFamily="2" charset="2"/>
+              <a:buChar char="§"/>
+            </a:pPr>
+            <a:r>
+              <a:rPr lang="en-US" sz="1400" dirty="0" err="1">
+                <a:solidFill>
+                  <a:schemeClr val="tx1"/>
+                </a:solidFill>
+              </a:rPr>
+              <a:t>Region_URL</a:t>
+            </a:r>
+            <a:endParaRPr lang="en-US" sz="1400" dirty="0">
+              <a:solidFill>
+                <a:schemeClr val="tx1"/>
+              </a:solidFill>
+            </a:endParaRPr>
+          </a:p>
+          <a:p>
+            <a:pPr marL="742950" lvl="1" defTabSz="914400">
+              <a:lnSpc>
+                <a:spcPct val="110000"/>
+              </a:lnSpc>
+              <a:spcAft>
+                <a:spcPts val="600"/>
+              </a:spcAft>
+              <a:buClr>
+                <a:schemeClr val="accent1">
+                  <a:lumMod val="75000"/>
+                </a:schemeClr>
+              </a:buClr>
+              <a:buSzPct val="85000"/>
+              <a:buFont typeface="Wingdings" pitchFamily="2" charset="2"/>
+              <a:buChar char="§"/>
+            </a:pPr>
+            <a:r>
+              <a:rPr lang="en-US" sz="1400" dirty="0">
+                <a:solidFill>
+                  <a:schemeClr val="tx1"/>
+                </a:solidFill>
+              </a:rPr>
+              <a:t> VIN </a:t>
+            </a:r>
+          </a:p>
+          <a:p>
+            <a:pPr marL="285750" indent="-182880" defTabSz="914400">
+              <a:lnSpc>
+                <a:spcPct val="110000"/>
+              </a:lnSpc>
+              <a:spcAft>
+                <a:spcPts val="600"/>
+              </a:spcAft>
+              <a:buClr>
+                <a:schemeClr val="accent1">
+                  <a:lumMod val="75000"/>
+                </a:schemeClr>
+              </a:buClr>
+              <a:buSzPct val="85000"/>
+              <a:buFont typeface="Wingdings" pitchFamily="2" charset="2"/>
+              <a:buChar char="§"/>
+            </a:pPr>
+            <a:r>
+              <a:rPr lang="en-US" sz="1400" dirty="0">
+                <a:solidFill>
+                  <a:schemeClr val="tx1"/>
+                </a:solidFill>
+              </a:rPr>
+              <a:t>These features do not have any correlation with the price of the car and may not contribute towards making price prediction</a:t>
+            </a:r>
+          </a:p>
+          <a:p>
+            <a:pPr marL="285750" indent="-182880" defTabSz="914400">
+              <a:lnSpc>
+                <a:spcPct val="110000"/>
+              </a:lnSpc>
+              <a:spcAft>
+                <a:spcPts val="600"/>
+              </a:spcAft>
+              <a:buClr>
+                <a:schemeClr val="accent1">
+                  <a:lumMod val="75000"/>
+                </a:schemeClr>
+              </a:buClr>
+              <a:buSzPct val="85000"/>
+              <a:buFont typeface="Wingdings" pitchFamily="2" charset="2"/>
+              <a:buChar char="§"/>
+            </a:pPr>
+            <a:r>
+              <a:rPr lang="en-US" sz="1400" dirty="0">
+                <a:solidFill>
+                  <a:schemeClr val="tx1"/>
+                </a:solidFill>
+              </a:rPr>
+              <a:t>We used model year and listing date to derive the age of the car at the time of listing. Age has an important role to play in price prediction.</a:t>
+            </a:r>
+          </a:p>
+          <a:p>
+            <a:pPr marL="285750" indent="-182880" defTabSz="914400">
+              <a:lnSpc>
+                <a:spcPct val="110000"/>
+              </a:lnSpc>
+              <a:spcAft>
+                <a:spcPts val="600"/>
+              </a:spcAft>
+              <a:buClr>
+                <a:schemeClr val="accent1">
+                  <a:lumMod val="75000"/>
+                </a:schemeClr>
+              </a:buClr>
+              <a:buSzPct val="85000"/>
+              <a:buFont typeface="Wingdings" pitchFamily="2" charset="2"/>
+              <a:buChar char="§"/>
+            </a:pPr>
+            <a:endParaRPr lang="en-US" sz="1400" dirty="0">
               <a:solidFill>
                 <a:schemeClr val="tx1"/>
               </a:solidFill>
@@ -12883,8 +13148,8 @@
         </p:nvSpPr>
         <p:spPr>
           <a:xfrm>
-            <a:off x="1069848" y="484632"/>
-            <a:ext cx="10058400" cy="1609344"/>
+            <a:off x="3834458" y="565821"/>
+            <a:ext cx="4523084" cy="1609344"/>
           </a:xfrm>
           <a:prstGeom prst="rect">
             <a:avLst/>
@@ -12908,7 +13173,7 @@
               </a:spcAft>
             </a:pPr>
             <a:r>
-              <a:rPr lang="en-US" sz="5400" cap="all">
+              <a:rPr lang="en-US" sz="5400" cap="all" dirty="0">
                 <a:blipFill>
                   <a:blip r:embed="rId6">
                     <a:extLst>
@@ -12943,7 +13208,7 @@
         <p:spPr>
           <a:xfrm>
             <a:off x="1069848" y="2320412"/>
-            <a:ext cx="10058400" cy="3851787"/>
+            <a:ext cx="10058400" cy="4073469"/>
           </a:xfrm>
           <a:prstGeom prst="roundRect">
             <a:avLst/>
@@ -12973,7 +13238,7 @@
         </p:style>
         <p:txBody>
           <a:bodyPr vert="horz" lIns="91440" tIns="45720" rIns="91440" bIns="45720" rtlCol="0">
-            <a:normAutofit lnSpcReduction="10000"/>
+            <a:normAutofit/>
           </a:bodyPr>
           <a:lstStyle/>
           <a:p>
@@ -13125,7 +13390,7 @@
                   <a:schemeClr val="tx1"/>
                 </a:solidFill>
               </a:rPr>
-              <a:t>We employed exhaustive search technique to train multiple models for the same algorithm and tune the hyperparameters to come up with the best model for the best hyperparameters.</a:t>
+              <a:t>We employed exhaustive search technique to train multiple models for the same algorithm and tune the hyperparameters to come up with the best model.</a:t>
             </a:r>
           </a:p>
           <a:p>
@@ -13151,7 +13416,7 @@
                   <a:schemeClr val="tx1"/>
                 </a:solidFill>
               </a:rPr>
-              <a:t>We ended up training 80 models in total.</a:t>
+              <a:t>We ended up training 85 models in total with cross validation.</a:t>
             </a:r>
           </a:p>
         </p:txBody>
@@ -14010,23 +14275,7 @@
                   <a:schemeClr val="tx1"/>
                 </a:solidFill>
               </a:rPr>
-              <a:t>K-fold cross validation splits data into K-folds and uses K-1 </a:t>
-            </a:r>
-            <a:r>
-              <a:rPr lang="en-US" dirty="0" err="1">
-                <a:solidFill>
-                  <a:schemeClr val="tx1"/>
-                </a:solidFill>
-              </a:rPr>
-              <a:t>flods</a:t>
-            </a:r>
-            <a:r>
-              <a:rPr lang="en-US" dirty="0">
-                <a:solidFill>
-                  <a:schemeClr val="tx1"/>
-                </a:solidFill>
-              </a:rPr>
-              <a:t> to train a model and remaining one-fold to validate the performance using the metric provided.</a:t>
+              <a:t>K-fold cross validation splits data into K-folds and uses K-1 folds to train a model and remaining one-fold to validate the performance using the metric provided.</a:t>
             </a:r>
           </a:p>
           <a:p>
@@ -14052,7 +14301,7 @@
                   <a:schemeClr val="tx1"/>
                 </a:solidFill>
               </a:rPr>
-              <a:t>We used 5-fold validation.</a:t>
+              <a:t>We used 5-fold cross validation.</a:t>
             </a:r>
           </a:p>
           <a:p>

--- a/Milestone -4.pptx
+++ b/Milestone -4.pptx
@@ -5526,23 +5526,7 @@
                   <a:schemeClr val="tx1"/>
                 </a:solidFill>
               </a:rPr>
-              <a:t>Though dataset has around 485k observations only, but we have many categorical features with long list of supported values, one hot encoding has increased the number of attributes in the set and was crashing the program while </a:t>
-            </a:r>
-            <a:r>
-              <a:rPr lang="en-US" dirty="0" err="1">
-                <a:solidFill>
-                  <a:schemeClr val="tx1"/>
-                </a:solidFill>
-              </a:rPr>
-              <a:t>traning</a:t>
-            </a:r>
-            <a:r>
-              <a:rPr lang="en-US" dirty="0">
-                <a:solidFill>
-                  <a:schemeClr val="tx1"/>
-                </a:solidFill>
-              </a:rPr>
-              <a:t>.</a:t>
+              <a:t>Though the dataset has around 485k observations only, we have many categorical features with a long list of supported values, one hot encoding has increased the number of attributes in the set and was crashing the program while training.</a:t>
             </a:r>
           </a:p>
           <a:p>
@@ -5620,7 +5604,7 @@
                   <a:schemeClr val="tx1"/>
                 </a:solidFill>
               </a:rPr>
-              <a:t>To avoid above issue, we delayed the split of the dataset which was potentially introducing data snooping issues to the project.</a:t>
+              <a:t>To avoid the above issue, we delayed the split of the dataset which was potentially introducing data snooping issues to the project.</a:t>
             </a:r>
           </a:p>
           <a:p>
@@ -6493,7 +6477,7 @@
                   <a:schemeClr val="tx1"/>
                 </a:solidFill>
               </a:rPr>
-              <a:t>At this point of the analysis, we have achieved 93% of accuracy in used vehicle price prediction.</a:t>
+              <a:t>At this point of the analysis, we have achieved 93% accuracy in used vehicle price prediction.</a:t>
             </a:r>
           </a:p>
           <a:p>
@@ -6561,7 +6545,7 @@
                   <a:schemeClr val="tx1"/>
                 </a:solidFill>
               </a:rPr>
-              <a:t> for selecting best correlated attributes to achieve better performance.</a:t>
+              <a:t> for selecting the best correlated attributes to achieve better performance.</a:t>
             </a:r>
           </a:p>
           <a:p>
@@ -7661,7 +7645,7 @@
                   <a:schemeClr val="tx1"/>
                 </a:solidFill>
               </a:rPr>
-              <a:t>There are variety of factors that impact the price of a used vehicle.</a:t>
+              <a:t>There are a variety of factors that impact the price of a used vehicle.</a:t>
             </a:r>
           </a:p>
           <a:p>
@@ -8448,7 +8432,7 @@
               <a:buFont typeface="Wingdings" pitchFamily="2" charset="2"/>
               <a:buChar char="§"/>
             </a:pPr>
-            <a:endParaRPr lang="en-US">
+            <a:endParaRPr lang="en-US" dirty="0">
               <a:solidFill>
                 <a:schemeClr val="tx1"/>
               </a:solidFill>
@@ -8472,7 +8456,7 @@
               <a:buChar char="§"/>
             </a:pPr>
             <a:r>
-              <a:rPr lang="en-US">
+              <a:rPr lang="en-US" dirty="0">
                 <a:solidFill>
                   <a:schemeClr val="tx1"/>
                 </a:solidFill>
@@ -8498,7 +8482,7 @@
               <a:buChar char="§"/>
             </a:pPr>
             <a:r>
-              <a:rPr lang="en-US">
+              <a:rPr lang="en-US" dirty="0">
                 <a:solidFill>
                   <a:schemeClr val="tx1"/>
                 </a:solidFill>
@@ -8524,7 +8508,7 @@
               <a:buChar char="§"/>
             </a:pPr>
             <a:r>
-              <a:rPr lang="en-US">
+              <a:rPr lang="en-US" dirty="0">
                 <a:solidFill>
                   <a:schemeClr val="tx1"/>
                 </a:solidFill>
@@ -8550,7 +8534,7 @@
               <a:buChar char="§"/>
             </a:pPr>
             <a:r>
-              <a:rPr lang="en-US">
+              <a:rPr lang="en-US" dirty="0">
                 <a:solidFill>
                   <a:schemeClr val="tx1"/>
                 </a:solidFill>
@@ -8576,7 +8560,7 @@
               <a:buChar char="§"/>
             </a:pPr>
             <a:r>
-              <a:rPr lang="en-US">
+              <a:rPr lang="en-US" dirty="0">
                 <a:solidFill>
                   <a:schemeClr val="tx1"/>
                 </a:solidFill>
@@ -8602,7 +8586,7 @@
               <a:buChar char="§"/>
             </a:pPr>
             <a:r>
-              <a:rPr lang="en-US">
+              <a:rPr lang="en-US" dirty="0">
                 <a:solidFill>
                   <a:schemeClr val="tx1"/>
                 </a:solidFill>
@@ -8628,7 +8612,7 @@
               <a:buChar char="§"/>
             </a:pPr>
             <a:r>
-              <a:rPr lang="en-US">
+              <a:rPr lang="en-US" dirty="0">
                 <a:solidFill>
                   <a:schemeClr val="tx1"/>
                 </a:solidFill>
@@ -8654,7 +8638,7 @@
               <a:buChar char="§"/>
             </a:pPr>
             <a:r>
-              <a:rPr lang="en-US">
+              <a:rPr lang="en-US" dirty="0">
                 <a:solidFill>
                   <a:schemeClr val="tx1"/>
                 </a:solidFill>
@@ -8680,18 +8664,13 @@
               <a:buChar char="§"/>
             </a:pPr>
             <a:r>
-              <a:rPr lang="en-US">
+              <a:rPr lang="en-US" dirty="0">
                 <a:solidFill>
                   <a:schemeClr val="tx1"/>
                 </a:solidFill>
               </a:rPr>
               <a:t>Discuss the best model and Model deployment</a:t>
             </a:r>
-            <a:endParaRPr lang="en-US" dirty="0">
-              <a:solidFill>
-                <a:schemeClr val="tx1"/>
-              </a:solidFill>
-            </a:endParaRPr>
           </a:p>
         </p:txBody>
       </p:sp>
@@ -9546,7 +9525,7 @@
                   <a:schemeClr val="tx1"/>
                 </a:solidFill>
               </a:rPr>
-              <a:t>The dataset used in this analysis is from Craigslist and has more than 458K observations of used vehicles listings.</a:t>
+              <a:t>The dataset used in this analysis is from Craigslist and has more than 458K observations of used vehicle listings.</a:t>
             </a:r>
           </a:p>
           <a:p>
@@ -9624,7 +9603,7 @@
                   <a:schemeClr val="tx1"/>
                 </a:solidFill>
               </a:rPr>
-              <a:t>Key attributes are odometer, make and model, year, fuel type and transmission.</a:t>
+              <a:t>Key attributes are odometer, make and model, year, fuel type, and transmission.</a:t>
             </a:r>
           </a:p>
           <a:p>
@@ -10566,7 +10545,7 @@
                   <a:schemeClr val="tx1"/>
                 </a:solidFill>
               </a:rPr>
-              <a:t>We performed EDA on most of the attributes to understand the distribution and find any correlations with target variable.</a:t>
+              <a:t>We performed EDA on most of the attributes to understand the distribution and find any correlations with the target variable.</a:t>
             </a:r>
           </a:p>
           <a:p>
@@ -10592,7 +10571,7 @@
                   <a:schemeClr val="tx1"/>
                 </a:solidFill>
               </a:rPr>
-              <a:t>The two figures here shows the correlation of condition and make with the target variable, the price of the vehicle.</a:t>
+              <a:t>The two figures here show the correlation of condition and make with the target variable, the price of the vehicle.</a:t>
             </a:r>
           </a:p>
           <a:p>
@@ -10618,7 +10597,7 @@
                   <a:schemeClr val="tx1"/>
                 </a:solidFill>
               </a:rPr>
-              <a:t>We generated correlation matrix between all the numeric attributes to see the impact of individual variables into the target variable. </a:t>
+              <a:t>We generated a correlation matrix between all the numeric attributes to see the impact of individual variables on the target variable. </a:t>
             </a:r>
           </a:p>
           <a:p>
@@ -11322,7 +11301,7 @@
                   <a:schemeClr val="tx1"/>
                 </a:solidFill>
               </a:rPr>
-              <a:t>We removed the outliers from price, year and odometer.</a:t>
+              <a:t>We removed the outliers from price, year, and odometer.</a:t>
             </a:r>
           </a:p>
           <a:p>
@@ -12268,7 +12247,7 @@
                   <a:schemeClr val="tx1"/>
                 </a:solidFill>
               </a:rPr>
-              <a:t>We removed following attributes from the dataset, considering they do not have any correlation with the target variable or highly correlated with other features and are duplicates :</a:t>
+              <a:t>We removed the following attributes from the dataset, considering they do not have any correlation with the target variable or highly correlated with other features and are duplicates :</a:t>
             </a:r>
           </a:p>
           <a:p>
@@ -12460,7 +12439,7 @@
                   <a:schemeClr val="tx1"/>
                 </a:solidFill>
               </a:rPr>
-              <a:t>These features do not have any correlation with the price of the car and may not contribute towards making price prediction</a:t>
+              <a:t>These features do not have any correlation with the price of the car and may not contribute towards making the price prediction</a:t>
             </a:r>
           </a:p>
           <a:p>
@@ -13322,7 +13301,7 @@
                   <a:schemeClr val="tx1"/>
                 </a:solidFill>
               </a:rPr>
-              <a:t> and </a:t>
+              <a:t>, and </a:t>
             </a:r>
             <a:r>
               <a:rPr lang="en-US" dirty="0" err="1">
@@ -13364,7 +13343,7 @@
                   <a:schemeClr val="tx1"/>
                 </a:solidFill>
               </a:rPr>
-              <a:t>Training multiple models allows comparing and choosing the best performing model.</a:t>
+              <a:t>Training multiple models allow comparing and choosing the best performing model.</a:t>
             </a:r>
           </a:p>
           <a:p>
@@ -13390,7 +13369,7 @@
                   <a:schemeClr val="tx1"/>
                 </a:solidFill>
               </a:rPr>
-              <a:t>We employed exhaustive search technique to train multiple models for the same algorithm and tune the hyperparameters to come up with the best model.</a:t>
+              <a:t>We employed an exhaustive search technique to train multiple models for the same algorithm and tune the hyperparameters to come up with the best model.</a:t>
             </a:r>
           </a:p>
           <a:p>
@@ -13416,7 +13395,7 @@
                   <a:schemeClr val="tx1"/>
                 </a:solidFill>
               </a:rPr>
-              <a:t>We ended up training 85 models in total with cross validation.</a:t>
+              <a:t>We ended up training 85 models in total with cross-validation.</a:t>
             </a:r>
           </a:p>
         </p:txBody>
@@ -14223,7 +14202,7 @@
                   <a:schemeClr val="tx1"/>
                 </a:solidFill>
               </a:rPr>
-              <a:t>There are many scoring metrics to choose from including Max error, r-square, explained variance, accuracy, F1 score etc.</a:t>
+              <a:t>There are many scoring metrics to choose from including Max error, r-square, explained variance, accuracy, F1 score, etc.</a:t>
             </a:r>
           </a:p>
           <a:p>
@@ -14249,7 +14228,7 @@
                   <a:schemeClr val="tx1"/>
                 </a:solidFill>
               </a:rPr>
-              <a:t>We chose accuracy be the scoring metrics for our model evaluation and selection process.</a:t>
+              <a:t>We chose accuracy to be the scoring metrics for our model evaluation and selection process.</a:t>
             </a:r>
           </a:p>
           <a:p>
@@ -14275,7 +14254,7 @@
                   <a:schemeClr val="tx1"/>
                 </a:solidFill>
               </a:rPr>
-              <a:t>K-fold cross validation splits data into K-folds and uses K-1 folds to train a model and remaining one-fold to validate the performance using the metric provided.</a:t>
+              <a:t>K-fold cross-validation splits data into K-folds and uses K-1 folds to train a model and remaining one-fold to validate the performance using the metric provided.</a:t>
             </a:r>
           </a:p>
           <a:p>
@@ -14301,7 +14280,7 @@
                   <a:schemeClr val="tx1"/>
                 </a:solidFill>
               </a:rPr>
-              <a:t>We used 5-fold cross validation.</a:t>
+              <a:t>We used 5-fold cross-validation.</a:t>
             </a:r>
           </a:p>
           <a:p>
